--- a/plugins/firstMojo/MyFirstMOJOPlugin.pptx
+++ b/plugins/firstMojo/MyFirstMOJOPlugin.pptx
@@ -201,7 +201,7 @@
             <a:fld id="{49E28013-DFCE-4E2C-B720-1F03E18D9BA1}" type="datetimeFigureOut">
               <a:rPr lang="sk-SK" smtClean="0"/>
               <a:pPr/>
-              <a:t>17. 6. 2012</a:t>
+              <a:t>18. 6. 2012</a:t>
             </a:fld>
             <a:endParaRPr lang="sk-SK"/>
           </a:p>
@@ -1387,7 +1387,7 @@
             <a:fld id="{71ED609D-59D0-4AA5-AE0C-A32DE91E137A}" type="datetimeFigureOut">
               <a:rPr lang="sk-SK" smtClean="0"/>
               <a:pPr/>
-              <a:t>17. 6. 2012</a:t>
+              <a:t>18. 6. 2012</a:t>
             </a:fld>
             <a:endParaRPr lang="sk-SK"/>
           </a:p>
@@ -1554,7 +1554,7 @@
             <a:fld id="{71ED609D-59D0-4AA5-AE0C-A32DE91E137A}" type="datetimeFigureOut">
               <a:rPr lang="sk-SK" smtClean="0"/>
               <a:pPr/>
-              <a:t>17. 6. 2012</a:t>
+              <a:t>18. 6. 2012</a:t>
             </a:fld>
             <a:endParaRPr lang="sk-SK"/>
           </a:p>
@@ -1731,7 +1731,7 @@
             <a:fld id="{71ED609D-59D0-4AA5-AE0C-A32DE91E137A}" type="datetimeFigureOut">
               <a:rPr lang="sk-SK" smtClean="0"/>
               <a:pPr/>
-              <a:t>17. 6. 2012</a:t>
+              <a:t>18. 6. 2012</a:t>
             </a:fld>
             <a:endParaRPr lang="sk-SK"/>
           </a:p>
@@ -1898,7 +1898,7 @@
             <a:fld id="{71ED609D-59D0-4AA5-AE0C-A32DE91E137A}" type="datetimeFigureOut">
               <a:rPr lang="sk-SK" smtClean="0"/>
               <a:pPr/>
-              <a:t>17. 6. 2012</a:t>
+              <a:t>18. 6. 2012</a:t>
             </a:fld>
             <a:endParaRPr lang="sk-SK"/>
           </a:p>
@@ -2141,7 +2141,7 @@
             <a:fld id="{71ED609D-59D0-4AA5-AE0C-A32DE91E137A}" type="datetimeFigureOut">
               <a:rPr lang="sk-SK" smtClean="0"/>
               <a:pPr/>
-              <a:t>17. 6. 2012</a:t>
+              <a:t>18. 6. 2012</a:t>
             </a:fld>
             <a:endParaRPr lang="sk-SK"/>
           </a:p>
@@ -2426,7 +2426,7 @@
             <a:fld id="{71ED609D-59D0-4AA5-AE0C-A32DE91E137A}" type="datetimeFigureOut">
               <a:rPr lang="sk-SK" smtClean="0"/>
               <a:pPr/>
-              <a:t>17. 6. 2012</a:t>
+              <a:t>18. 6. 2012</a:t>
             </a:fld>
             <a:endParaRPr lang="sk-SK"/>
           </a:p>
@@ -2845,7 +2845,7 @@
             <a:fld id="{71ED609D-59D0-4AA5-AE0C-A32DE91E137A}" type="datetimeFigureOut">
               <a:rPr lang="sk-SK" smtClean="0"/>
               <a:pPr/>
-              <a:t>17. 6. 2012</a:t>
+              <a:t>18. 6. 2012</a:t>
             </a:fld>
             <a:endParaRPr lang="sk-SK"/>
           </a:p>
@@ -2960,7 +2960,7 @@
             <a:fld id="{71ED609D-59D0-4AA5-AE0C-A32DE91E137A}" type="datetimeFigureOut">
               <a:rPr lang="sk-SK" smtClean="0"/>
               <a:pPr/>
-              <a:t>17. 6. 2012</a:t>
+              <a:t>18. 6. 2012</a:t>
             </a:fld>
             <a:endParaRPr lang="sk-SK"/>
           </a:p>
@@ -3052,7 +3052,7 @@
             <a:fld id="{71ED609D-59D0-4AA5-AE0C-A32DE91E137A}" type="datetimeFigureOut">
               <a:rPr lang="sk-SK" smtClean="0"/>
               <a:pPr/>
-              <a:t>17. 6. 2012</a:t>
+              <a:t>18. 6. 2012</a:t>
             </a:fld>
             <a:endParaRPr lang="sk-SK"/>
           </a:p>
@@ -3326,7 +3326,7 @@
             <a:fld id="{71ED609D-59D0-4AA5-AE0C-A32DE91E137A}" type="datetimeFigureOut">
               <a:rPr lang="sk-SK" smtClean="0"/>
               <a:pPr/>
-              <a:t>17. 6. 2012</a:t>
+              <a:t>18. 6. 2012</a:t>
             </a:fld>
             <a:endParaRPr lang="sk-SK"/>
           </a:p>
@@ -3576,7 +3576,7 @@
             <a:fld id="{71ED609D-59D0-4AA5-AE0C-A32DE91E137A}" type="datetimeFigureOut">
               <a:rPr lang="sk-SK" smtClean="0"/>
               <a:pPr/>
-              <a:t>17. 6. 2012</a:t>
+              <a:t>18. 6. 2012</a:t>
             </a:fld>
             <a:endParaRPr lang="sk-SK"/>
           </a:p>
@@ -3786,7 +3786,7 @@
             <a:fld id="{71ED609D-59D0-4AA5-AE0C-A32DE91E137A}" type="datetimeFigureOut">
               <a:rPr lang="sk-SK" smtClean="0"/>
               <a:pPr/>
-              <a:t>17. 6. 2012</a:t>
+              <a:t>18. 6. 2012</a:t>
             </a:fld>
             <a:endParaRPr lang="sk-SK"/>
           </a:p>
@@ -4194,10 +4194,15 @@
             <p:ph type="subTitle" idx="1"/>
           </p:nvPr>
         </p:nvSpPr>
-        <p:spPr/>
+        <p:spPr>
+          <a:xfrm>
+            <a:off x="1115616" y="3886200"/>
+            <a:ext cx="7128792" cy="1752600"/>
+          </a:xfrm>
+        </p:spPr>
         <p:txBody>
           <a:bodyPr>
-            <a:normAutofit lnSpcReduction="10000"/>
+            <a:normAutofit fontScale="92500"/>
           </a:bodyPr>
           <a:lstStyle/>
           <a:p>
@@ -4244,7 +4249,28 @@
                   <a:srgbClr val="FF0000"/>
                 </a:solidFill>
               </a:rPr>
-              <a:t> </a:t>
+              <a:t> repository</a:t>
+            </a:r>
+          </a:p>
+          <a:p>
+            <a:pPr algn="l"/>
+            <a:r>
+              <a:rPr lang="sk-SK" sz="2200" dirty="0" smtClean="0">
+                <a:solidFill>
+                  <a:srgbClr val="FF0000"/>
+                </a:solidFill>
+                <a:hlinkClick r:id="rId3"/>
+              </a:rPr>
+              <a:t>https://</a:t>
+            </a:r>
+            <a:r>
+              <a:rPr lang="sk-SK" sz="2200" dirty="0" smtClean="0">
+                <a:solidFill>
+                  <a:srgbClr val="FF0000"/>
+                </a:solidFill>
+                <a:hlinkClick r:id="rId3"/>
+              </a:rPr>
+              <a:t>github.com/Tibor17/maven/tree/master/plugins/firstMojo</a:t>
             </a:r>
             <a:r>
               <a:rPr lang="en-US" sz="2200" dirty="0" smtClean="0">
@@ -4252,50 +4278,7 @@
                   <a:srgbClr val="FF0000"/>
                 </a:solidFill>
               </a:rPr>
-              <a:t>repository</a:t>
-            </a:r>
-          </a:p>
-          <a:p>
-            <a:pPr algn="l"/>
-            <a:r>
-              <a:rPr lang="sk-SK" sz="2200" dirty="0" smtClean="0">
-                <a:solidFill>
-                  <a:srgbClr val="FF0000"/>
-                </a:solidFill>
-              </a:rPr>
-              <a:t>http://github.com/Tibor17/maven</a:t>
-            </a:r>
-            <a:r>
-              <a:rPr lang="en-US" sz="2200" dirty="0" smtClean="0">
-                <a:solidFill>
-                  <a:srgbClr val="FF0000"/>
-                </a:solidFill>
-              </a:rPr>
-              <a:t>/</a:t>
-            </a:r>
-            <a:r>
-              <a:rPr lang="en-US" sz="2200" dirty="0" err="1" smtClean="0">
-                <a:solidFill>
-                  <a:srgbClr val="FF0000"/>
-                </a:solidFill>
-              </a:rPr>
-              <a:t>plugins</a:t>
-            </a:r>
-            <a:r>
-              <a:rPr lang="en-US" sz="2200" dirty="0" smtClean="0">
-                <a:solidFill>
-                  <a:srgbClr val="FF0000"/>
-                </a:solidFill>
-              </a:rPr>
-              <a:t>/</a:t>
-            </a:r>
-            <a:r>
-              <a:rPr lang="en-US" sz="2200" dirty="0" err="1" smtClean="0">
-                <a:solidFill>
-                  <a:srgbClr val="FF0000"/>
-                </a:solidFill>
-              </a:rPr>
-              <a:t>firstMojo</a:t>
+              <a:t> </a:t>
             </a:r>
             <a:endParaRPr lang="sk-SK" sz="2200" dirty="0" smtClean="0">
               <a:solidFill>
